--- a/pictures/pdf/greedy2.pptx
+++ b/pictures/pdf/greedy2.pptx
@@ -11,7 +11,7 @@
     <p:sldId id="258" r:id="rId2"/>
     <p:sldId id="259" r:id="rId3"/>
   </p:sldIdLst>
-  <p:sldSz cx="5486400" cy="6858000"/>
+  <p:sldSz cx="10058400" cy="2925763"/>
   <p:notesSz cx="6858000" cy="9144000"/>
   <p:defaultTextStyle>
     <a:defPPr>
@@ -110,7 +110,7 @@
   </p:defaultTextStyle>
   <p:extLst>
     <p:ext uri="{EFAFB233-063F-42B5-8137-9DF3F51BA10A}">
-      <p15:sldGuideLst xmlns:p15="http://schemas.microsoft.com/office/powerpoint/2012/main">
+      <p15:sldGuideLst xmlns:p15="http://schemas.microsoft.com/office/powerpoint/2012/main" xmlns="">
         <p15:guide id="1" orient="horz" pos="2162" userDrawn="1">
           <p15:clr>
             <a:srgbClr val="A4A3A4"/>
@@ -209,7 +209,7 @@
           <a:p>
             <a:fld id="{AE0D5B59-FC0E-446E-8413-2B00ADDB6388}" type="datetimeFigureOut">
               <a:rPr lang="en-US" smtClean="0"/>
-              <a:t>2/27/2017</a:t>
+              <a:t>2/27/17</a:t>
             </a:fld>
             <a:endParaRPr lang="en-US"/>
           </a:p>
@@ -227,8 +227,8 @@
         </p:nvSpPr>
         <p:spPr>
           <a:xfrm>
-            <a:off x="2193925" y="1143000"/>
-            <a:ext cx="2470150" cy="3086100"/>
+            <a:off x="-1876425" y="1143000"/>
+            <a:ext cx="10610850" cy="3086100"/>
           </a:xfrm>
           <a:prstGeom prst="rect">
             <a:avLst/>
@@ -505,8 +505,8 @@
         </p:nvSpPr>
         <p:spPr>
           <a:xfrm>
-            <a:off x="411480" y="2130441"/>
-            <a:ext cx="4663440" cy="1470028"/>
+            <a:off x="754380" y="908891"/>
+            <a:ext cx="8549640" cy="627144"/>
           </a:xfrm>
         </p:spPr>
         <p:txBody>
@@ -532,8 +532,8 @@
         </p:nvSpPr>
         <p:spPr>
           <a:xfrm>
-            <a:off x="822960" y="3886202"/>
-            <a:ext cx="3840480" cy="1752604"/>
+            <a:off x="1508760" y="1657933"/>
+            <a:ext cx="7040880" cy="747697"/>
           </a:xfrm>
         </p:spPr>
         <p:txBody>
@@ -655,7 +655,7 @@
           <a:p>
             <a:fld id="{62C34544-109E-374A-A6BF-6CE9DED3E76E}" type="datetimeFigureOut">
               <a:rPr lang="en-US" smtClean="0"/>
-              <a:t>2/27/2017</a:t>
+              <a:t>2/27/17</a:t>
             </a:fld>
             <a:endParaRPr lang="en-US"/>
           </a:p>
@@ -823,7 +823,7 @@
           <a:p>
             <a:fld id="{62C34544-109E-374A-A6BF-6CE9DED3E76E}" type="datetimeFigureOut">
               <a:rPr lang="en-US" smtClean="0"/>
-              <a:t>2/27/2017</a:t>
+              <a:t>2/27/17</a:t>
             </a:fld>
             <a:endParaRPr lang="en-US"/>
           </a:p>
@@ -913,8 +913,8 @@
         </p:nvSpPr>
         <p:spPr>
           <a:xfrm>
-            <a:off x="3977642" y="274649"/>
-            <a:ext cx="1234440" cy="5851528"/>
+            <a:off x="7292344" y="117172"/>
+            <a:ext cx="2263140" cy="2496381"/>
           </a:xfrm>
         </p:spPr>
         <p:txBody>
@@ -940,8 +940,8 @@
         </p:nvSpPr>
         <p:spPr>
           <a:xfrm>
-            <a:off x="274320" y="274649"/>
-            <a:ext cx="3611880" cy="5851528"/>
+            <a:off x="502920" y="117172"/>
+            <a:ext cx="6621780" cy="2496381"/>
           </a:xfrm>
         </p:spPr>
         <p:txBody>
@@ -1001,7 +1001,7 @@
           <a:p>
             <a:fld id="{62C34544-109E-374A-A6BF-6CE9DED3E76E}" type="datetimeFigureOut">
               <a:rPr lang="en-US" smtClean="0"/>
-              <a:t>2/27/2017</a:t>
+              <a:t>2/27/17</a:t>
             </a:fld>
             <a:endParaRPr lang="en-US"/>
           </a:p>
@@ -1169,7 +1169,7 @@
           <a:p>
             <a:fld id="{62C34544-109E-374A-A6BF-6CE9DED3E76E}" type="datetimeFigureOut">
               <a:rPr lang="en-US" smtClean="0"/>
-              <a:t>2/27/2017</a:t>
+              <a:t>2/27/17</a:t>
             </a:fld>
             <a:endParaRPr lang="en-US"/>
           </a:p>
@@ -1259,8 +1259,8 @@
         </p:nvSpPr>
         <p:spPr>
           <a:xfrm>
-            <a:off x="433390" y="4406910"/>
-            <a:ext cx="4663440" cy="1362075"/>
+            <a:off x="794548" y="1880078"/>
+            <a:ext cx="8549640" cy="581089"/>
           </a:xfrm>
         </p:spPr>
         <p:txBody>
@@ -1290,8 +1290,8 @@
         </p:nvSpPr>
         <p:spPr>
           <a:xfrm>
-            <a:off x="433390" y="2906724"/>
-            <a:ext cx="4663440" cy="1500193"/>
+            <a:off x="794548" y="1240069"/>
+            <a:ext cx="8549640" cy="640013"/>
           </a:xfrm>
         </p:spPr>
         <p:txBody>
@@ -1414,7 +1414,7 @@
           <a:p>
             <a:fld id="{62C34544-109E-374A-A6BF-6CE9DED3E76E}" type="datetimeFigureOut">
               <a:rPr lang="en-US" smtClean="0"/>
-              <a:t>2/27/2017</a:t>
+              <a:t>2/27/17</a:t>
             </a:fld>
             <a:endParaRPr lang="en-US"/>
           </a:p>
@@ -1526,8 +1526,8 @@
         </p:nvSpPr>
         <p:spPr>
           <a:xfrm>
-            <a:off x="274320" y="1600214"/>
-            <a:ext cx="2423160" cy="4525963"/>
+            <a:off x="502920" y="682685"/>
+            <a:ext cx="4442460" cy="1930868"/>
           </a:xfrm>
         </p:spPr>
         <p:txBody>
@@ -1610,8 +1610,8 @@
         </p:nvSpPr>
         <p:spPr>
           <a:xfrm>
-            <a:off x="2788920" y="1600214"/>
-            <a:ext cx="2423160" cy="4525963"/>
+            <a:off x="5113020" y="682685"/>
+            <a:ext cx="4442460" cy="1930868"/>
           </a:xfrm>
         </p:spPr>
         <p:txBody>
@@ -1699,7 +1699,7 @@
           <a:p>
             <a:fld id="{62C34544-109E-374A-A6BF-6CE9DED3E76E}" type="datetimeFigureOut">
               <a:rPr lang="en-US" smtClean="0"/>
-              <a:t>2/27/2017</a:t>
+              <a:t>2/27/17</a:t>
             </a:fld>
             <a:endParaRPr lang="en-US"/>
           </a:p>
@@ -1815,8 +1815,8 @@
         </p:nvSpPr>
         <p:spPr>
           <a:xfrm>
-            <a:off x="274322" y="1535119"/>
-            <a:ext cx="2424113" cy="639763"/>
+            <a:off x="502925" y="654914"/>
+            <a:ext cx="4444207" cy="272936"/>
           </a:xfrm>
         </p:spPr>
         <p:txBody>
@@ -1880,8 +1880,8 @@
         </p:nvSpPr>
         <p:spPr>
           <a:xfrm>
-            <a:off x="274322" y="2174891"/>
-            <a:ext cx="2424113" cy="3951287"/>
+            <a:off x="502925" y="927854"/>
+            <a:ext cx="4444207" cy="1685700"/>
           </a:xfrm>
         </p:spPr>
         <p:txBody>
@@ -1964,8 +1964,8 @@
         </p:nvSpPr>
         <p:spPr>
           <a:xfrm>
-            <a:off x="2787021" y="1535119"/>
-            <a:ext cx="2425066" cy="639763"/>
+            <a:off x="5109539" y="654914"/>
+            <a:ext cx="4445954" cy="272936"/>
           </a:xfrm>
         </p:spPr>
         <p:txBody>
@@ -2029,8 +2029,8 @@
         </p:nvSpPr>
         <p:spPr>
           <a:xfrm>
-            <a:off x="2787021" y="2174891"/>
-            <a:ext cx="2425066" cy="3951287"/>
+            <a:off x="5109539" y="927854"/>
+            <a:ext cx="4445954" cy="1685700"/>
           </a:xfrm>
         </p:spPr>
         <p:txBody>
@@ -2118,7 +2118,7 @@
           <a:p>
             <a:fld id="{62C34544-109E-374A-A6BF-6CE9DED3E76E}" type="datetimeFigureOut">
               <a:rPr lang="en-US" smtClean="0"/>
-              <a:t>2/27/2017</a:t>
+              <a:t>2/27/17</a:t>
             </a:fld>
             <a:endParaRPr lang="en-US"/>
           </a:p>
@@ -2235,7 +2235,7 @@
           <a:p>
             <a:fld id="{62C34544-109E-374A-A6BF-6CE9DED3E76E}" type="datetimeFigureOut">
               <a:rPr lang="en-US" smtClean="0"/>
-              <a:t>2/27/2017</a:t>
+              <a:t>2/27/17</a:t>
             </a:fld>
             <a:endParaRPr lang="en-US"/>
           </a:p>
@@ -2330,7 +2330,7 @@
           <a:p>
             <a:fld id="{62C34544-109E-374A-A6BF-6CE9DED3E76E}" type="datetimeFigureOut">
               <a:rPr lang="en-US" smtClean="0"/>
-              <a:t>2/27/2017</a:t>
+              <a:t>2/27/17</a:t>
             </a:fld>
             <a:endParaRPr lang="en-US"/>
           </a:p>
@@ -2420,8 +2420,8 @@
         </p:nvSpPr>
         <p:spPr>
           <a:xfrm>
-            <a:off x="274327" y="273050"/>
-            <a:ext cx="1804988" cy="1162050"/>
+            <a:off x="502933" y="116489"/>
+            <a:ext cx="3309145" cy="495754"/>
           </a:xfrm>
         </p:spPr>
         <p:txBody>
@@ -2451,8 +2451,8 @@
         </p:nvSpPr>
         <p:spPr>
           <a:xfrm>
-            <a:off x="2145031" y="273052"/>
-            <a:ext cx="3067050" cy="5853118"/>
+            <a:off x="3932557" y="116490"/>
+            <a:ext cx="5622925" cy="2497060"/>
           </a:xfrm>
         </p:spPr>
         <p:txBody>
@@ -2535,8 +2535,8 @@
         </p:nvSpPr>
         <p:spPr>
           <a:xfrm>
-            <a:off x="274327" y="1435118"/>
-            <a:ext cx="1804988" cy="4691061"/>
+            <a:off x="502933" y="612252"/>
+            <a:ext cx="3309145" cy="2001302"/>
           </a:xfrm>
         </p:spPr>
         <p:txBody>
@@ -2605,7 +2605,7 @@
           <a:p>
             <a:fld id="{62C34544-109E-374A-A6BF-6CE9DED3E76E}" type="datetimeFigureOut">
               <a:rPr lang="en-US" smtClean="0"/>
-              <a:t>2/27/2017</a:t>
+              <a:t>2/27/17</a:t>
             </a:fld>
             <a:endParaRPr lang="en-US"/>
           </a:p>
@@ -2695,8 +2695,8 @@
         </p:nvSpPr>
         <p:spPr>
           <a:xfrm>
-            <a:off x="1075379" y="4800606"/>
-            <a:ext cx="3291840" cy="566739"/>
+            <a:off x="1971528" y="2048036"/>
+            <a:ext cx="6035040" cy="241783"/>
           </a:xfrm>
         </p:spPr>
         <p:txBody>
@@ -2726,8 +2726,8 @@
         </p:nvSpPr>
         <p:spPr>
           <a:xfrm>
-            <a:off x="1075379" y="612788"/>
-            <a:ext cx="3291840" cy="4114802"/>
+            <a:off x="1971528" y="261428"/>
+            <a:ext cx="6035040" cy="1755459"/>
           </a:xfrm>
         </p:spPr>
         <p:txBody>
@@ -2787,8 +2787,8 @@
         </p:nvSpPr>
         <p:spPr>
           <a:xfrm>
-            <a:off x="1075379" y="5367348"/>
-            <a:ext cx="3291840" cy="804864"/>
+            <a:off x="1971528" y="2289820"/>
+            <a:ext cx="6035040" cy="343372"/>
           </a:xfrm>
         </p:spPr>
         <p:txBody>
@@ -2857,7 +2857,7 @@
           <a:p>
             <a:fld id="{62C34544-109E-374A-A6BF-6CE9DED3E76E}" type="datetimeFigureOut">
               <a:rPr lang="en-US" smtClean="0"/>
-              <a:t>2/27/2017</a:t>
+              <a:t>2/27/17</a:t>
             </a:fld>
             <a:endParaRPr lang="en-US"/>
           </a:p>
@@ -2952,8 +2952,8 @@
         </p:nvSpPr>
         <p:spPr>
           <a:xfrm>
-            <a:off x="274327" y="274645"/>
-            <a:ext cx="4937760" cy="1143000"/>
+            <a:off x="502933" y="117169"/>
+            <a:ext cx="9052560" cy="487627"/>
           </a:xfrm>
           <a:prstGeom prst="rect">
             <a:avLst/>
@@ -2984,8 +2984,8 @@
         </p:nvSpPr>
         <p:spPr>
           <a:xfrm>
-            <a:off x="274327" y="1600214"/>
-            <a:ext cx="4937760" cy="4525963"/>
+            <a:off x="502933" y="682685"/>
+            <a:ext cx="9052560" cy="1930868"/>
           </a:xfrm>
           <a:prstGeom prst="rect">
             <a:avLst/>
@@ -3045,8 +3045,8 @@
         </p:nvSpPr>
         <p:spPr>
           <a:xfrm>
-            <a:off x="274320" y="6356373"/>
-            <a:ext cx="1280160" cy="365125"/>
+            <a:off x="502920" y="2711758"/>
+            <a:ext cx="2346960" cy="155770"/>
           </a:xfrm>
           <a:prstGeom prst="rect">
             <a:avLst/>
@@ -3068,7 +3068,7 @@
           <a:p>
             <a:fld id="{62C34544-109E-374A-A6BF-6CE9DED3E76E}" type="datetimeFigureOut">
               <a:rPr lang="en-US" smtClean="0"/>
-              <a:t>2/27/2017</a:t>
+              <a:t>2/27/17</a:t>
             </a:fld>
             <a:endParaRPr lang="en-US"/>
           </a:p>
@@ -3086,8 +3086,8 @@
         </p:nvSpPr>
         <p:spPr>
           <a:xfrm>
-            <a:off x="1874527" y="6356373"/>
-            <a:ext cx="1737360" cy="365125"/>
+            <a:off x="3436633" y="2711758"/>
+            <a:ext cx="3185160" cy="155770"/>
           </a:xfrm>
           <a:prstGeom prst="rect">
             <a:avLst/>
@@ -3123,8 +3123,8 @@
         </p:nvSpPr>
         <p:spPr>
           <a:xfrm>
-            <a:off x="3931920" y="6356373"/>
-            <a:ext cx="1280160" cy="365125"/>
+            <a:off x="7208520" y="2711758"/>
+            <a:ext cx="2346960" cy="155770"/>
           </a:xfrm>
           <a:prstGeom prst="rect">
             <a:avLst/>
@@ -3445,28 +3445,28 @@
       </p:grpSpPr>
       <p:grpSp>
         <p:nvGrpSpPr>
-          <p:cNvPr id="3" name="Group 2"/>
+          <p:cNvPr id="160" name="Group 159"/>
           <p:cNvGrpSpPr/>
           <p:nvPr/>
         </p:nvGrpSpPr>
         <p:grpSpPr>
           <a:xfrm>
-            <a:off x="309632" y="3576638"/>
-            <a:ext cx="4872378" cy="2929065"/>
-            <a:chOff x="2078636" y="4394715"/>
-            <a:chExt cx="4872378" cy="2929065"/>
+            <a:off x="5175087" y="142278"/>
+            <a:ext cx="4872378" cy="2251116"/>
+            <a:chOff x="309632" y="4254587"/>
+            <a:chExt cx="4872378" cy="2251116"/>
           </a:xfrm>
         </p:grpSpPr>
         <p:sp>
           <p:nvSpPr>
-            <p:cNvPr id="4" name="Rectangle 3"/>
+            <p:cNvPr id="161" name="Rectangle 160"/>
             <p:cNvSpPr/>
             <p:nvPr/>
           </p:nvSpPr>
           <p:spPr>
             <a:xfrm>
-              <a:off x="2078711" y="4394715"/>
-              <a:ext cx="4872303" cy="2167097"/>
+              <a:off x="309707" y="4254587"/>
+              <a:ext cx="4872303" cy="1489148"/>
             </a:xfrm>
             <a:prstGeom prst="rect">
               <a:avLst/>
@@ -3504,13 +3504,13 @@
         </p:sp>
         <p:sp>
           <p:nvSpPr>
-            <p:cNvPr id="5" name="Rectangle 4"/>
+            <p:cNvPr id="162" name="Rectangle 161"/>
             <p:cNvSpPr/>
             <p:nvPr/>
           </p:nvSpPr>
           <p:spPr>
             <a:xfrm>
-              <a:off x="2462492" y="5812169"/>
+              <a:off x="693488" y="4994092"/>
               <a:ext cx="1498272" cy="380186"/>
             </a:xfrm>
             <a:prstGeom prst="rect">
@@ -3549,13 +3549,13 @@
         </p:sp>
         <p:sp>
           <p:nvSpPr>
-            <p:cNvPr id="6" name="Rectangle 5"/>
+            <p:cNvPr id="163" name="Rectangle 162"/>
             <p:cNvSpPr/>
             <p:nvPr/>
           </p:nvSpPr>
           <p:spPr>
             <a:xfrm>
-              <a:off x="2078636" y="6190828"/>
+              <a:off x="309632" y="5372751"/>
               <a:ext cx="4872378" cy="1132952"/>
             </a:xfrm>
             <a:prstGeom prst="rect">
@@ -3594,13 +3594,13 @@
         </p:sp>
         <p:sp>
           <p:nvSpPr>
-            <p:cNvPr id="7" name="Rectangle 6"/>
+            <p:cNvPr id="164" name="Rectangle 163"/>
             <p:cNvSpPr/>
             <p:nvPr/>
           </p:nvSpPr>
           <p:spPr>
             <a:xfrm>
-              <a:off x="2457974" y="6561677"/>
+              <a:off x="688970" y="5743600"/>
               <a:ext cx="3012534" cy="380186"/>
             </a:xfrm>
             <a:prstGeom prst="rect">
@@ -3639,13 +3639,13 @@
         </p:sp>
         <p:sp>
           <p:nvSpPr>
-            <p:cNvPr id="8" name="Rectangle 7"/>
+            <p:cNvPr id="165" name="Rectangle 164"/>
             <p:cNvSpPr/>
             <p:nvPr/>
           </p:nvSpPr>
           <p:spPr>
             <a:xfrm>
-              <a:off x="2457974" y="6190964"/>
+              <a:off x="688970" y="5372887"/>
               <a:ext cx="372309" cy="384699"/>
             </a:xfrm>
             <a:prstGeom prst="rect">
@@ -3689,13 +3689,13 @@
         </p:sp>
         <p:sp>
           <p:nvSpPr>
-            <p:cNvPr id="9" name="Rectangle 8"/>
+            <p:cNvPr id="166" name="Rectangle 165"/>
             <p:cNvSpPr/>
             <p:nvPr/>
           </p:nvSpPr>
           <p:spPr>
             <a:xfrm>
-              <a:off x="2457974" y="5812547"/>
+              <a:off x="688970" y="4994470"/>
               <a:ext cx="388590" cy="380186"/>
             </a:xfrm>
             <a:prstGeom prst="rect">
@@ -3739,13 +3739,13 @@
         </p:sp>
         <p:sp>
           <p:nvSpPr>
-            <p:cNvPr id="13" name="Rectangle 12"/>
+            <p:cNvPr id="167" name="Rectangle 166"/>
             <p:cNvSpPr/>
             <p:nvPr/>
           </p:nvSpPr>
           <p:spPr>
             <a:xfrm>
-              <a:off x="2457974" y="6186395"/>
+              <a:off x="688970" y="5368318"/>
               <a:ext cx="1502790" cy="380186"/>
             </a:xfrm>
             <a:prstGeom prst="rect">
@@ -3784,13 +3784,13 @@
         </p:sp>
         <p:sp>
           <p:nvSpPr>
-            <p:cNvPr id="14" name="Rectangle 13"/>
+            <p:cNvPr id="168" name="Rectangle 167"/>
             <p:cNvSpPr/>
             <p:nvPr/>
           </p:nvSpPr>
           <p:spPr>
             <a:xfrm>
-              <a:off x="2457974" y="5431983"/>
+              <a:off x="688970" y="4613906"/>
               <a:ext cx="1502790" cy="380186"/>
             </a:xfrm>
             <a:prstGeom prst="rect">
@@ -3829,13 +3829,13 @@
         </p:sp>
         <p:sp>
           <p:nvSpPr>
-            <p:cNvPr id="20" name="Rectangle 19"/>
+            <p:cNvPr id="169" name="Rectangle 168"/>
             <p:cNvSpPr/>
             <p:nvPr/>
           </p:nvSpPr>
           <p:spPr>
             <a:xfrm>
-              <a:off x="6197356" y="5454765"/>
+              <a:off x="4428352" y="4636688"/>
               <a:ext cx="376827" cy="370849"/>
             </a:xfrm>
             <a:prstGeom prst="rect">
@@ -3879,13 +3879,13 @@
         </p:sp>
         <p:sp>
           <p:nvSpPr>
-            <p:cNvPr id="21" name="Rectangle 20"/>
+            <p:cNvPr id="170" name="Rectangle 169"/>
             <p:cNvSpPr/>
             <p:nvPr/>
           </p:nvSpPr>
           <p:spPr>
             <a:xfrm>
-              <a:off x="5833932" y="5454766"/>
+              <a:off x="4064928" y="4636689"/>
               <a:ext cx="376827" cy="370849"/>
             </a:xfrm>
             <a:prstGeom prst="rect">
@@ -3929,13 +3929,13 @@
         </p:sp>
         <p:sp>
           <p:nvSpPr>
-            <p:cNvPr id="22" name="Rectangle 21"/>
+            <p:cNvPr id="171" name="Rectangle 170"/>
             <p:cNvSpPr/>
             <p:nvPr/>
           </p:nvSpPr>
           <p:spPr>
             <a:xfrm>
-              <a:off x="5833933" y="5818911"/>
+              <a:off x="4064929" y="5000834"/>
               <a:ext cx="376827" cy="370849"/>
             </a:xfrm>
             <a:prstGeom prst="rect">
@@ -3979,13 +3979,13 @@
         </p:sp>
         <p:sp>
           <p:nvSpPr>
-            <p:cNvPr id="23" name="Rectangle 22"/>
+            <p:cNvPr id="172" name="Rectangle 171"/>
             <p:cNvSpPr/>
             <p:nvPr/>
           </p:nvSpPr>
           <p:spPr>
             <a:xfrm>
-              <a:off x="5470508" y="5819979"/>
+              <a:off x="3701504" y="5001902"/>
               <a:ext cx="376827" cy="370849"/>
             </a:xfrm>
             <a:prstGeom prst="rect">
@@ -4029,13 +4029,13 @@
         </p:sp>
         <p:sp>
           <p:nvSpPr>
-            <p:cNvPr id="24" name="Rectangle 23"/>
+            <p:cNvPr id="173" name="Rectangle 172"/>
             <p:cNvSpPr/>
             <p:nvPr/>
           </p:nvSpPr>
           <p:spPr>
             <a:xfrm>
-              <a:off x="5470508" y="6184124"/>
+              <a:off x="3701504" y="5366047"/>
               <a:ext cx="376827" cy="370849"/>
             </a:xfrm>
             <a:prstGeom prst="rect">
@@ -4079,13 +4079,13 @@
         </p:sp>
         <p:sp>
           <p:nvSpPr>
-            <p:cNvPr id="25" name="Rectangle 24"/>
+            <p:cNvPr id="174" name="Rectangle 173"/>
             <p:cNvSpPr/>
             <p:nvPr/>
           </p:nvSpPr>
           <p:spPr>
             <a:xfrm>
-              <a:off x="5093681" y="6192355"/>
+              <a:off x="3324677" y="5374278"/>
               <a:ext cx="376827" cy="370849"/>
             </a:xfrm>
             <a:prstGeom prst="rect">
@@ -4129,13 +4129,13 @@
         </p:sp>
         <p:sp>
           <p:nvSpPr>
-            <p:cNvPr id="28" name="Oval 27"/>
+            <p:cNvPr id="175" name="Oval 174"/>
             <p:cNvSpPr/>
             <p:nvPr/>
           </p:nvSpPr>
           <p:spPr>
             <a:xfrm>
-              <a:off x="5468421" y="6180812"/>
+              <a:off x="3699417" y="5362735"/>
               <a:ext cx="381000" cy="381000"/>
             </a:xfrm>
             <a:prstGeom prst="ellipse">
@@ -4176,13 +4176,13 @@
         </p:sp>
         <p:sp>
           <p:nvSpPr>
-            <p:cNvPr id="29" name="Oval 28"/>
+            <p:cNvPr id="176" name="Oval 175"/>
             <p:cNvSpPr/>
             <p:nvPr/>
           </p:nvSpPr>
           <p:spPr>
             <a:xfrm>
-              <a:off x="5829759" y="5814777"/>
+              <a:off x="4060755" y="4996700"/>
               <a:ext cx="381000" cy="381000"/>
             </a:xfrm>
             <a:prstGeom prst="ellipse">
@@ -4223,13 +4223,13 @@
         </p:sp>
         <p:sp>
           <p:nvSpPr>
-            <p:cNvPr id="30" name="Oval 29"/>
+            <p:cNvPr id="177" name="Oval 176"/>
             <p:cNvSpPr/>
             <p:nvPr/>
           </p:nvSpPr>
           <p:spPr>
             <a:xfrm>
-              <a:off x="6198500" y="5448412"/>
+              <a:off x="4429496" y="4630335"/>
               <a:ext cx="381000" cy="381000"/>
             </a:xfrm>
             <a:prstGeom prst="ellipse">
@@ -4270,13 +4270,13 @@
         </p:sp>
         <p:cxnSp>
           <p:nvCxnSpPr>
-            <p:cNvPr id="83" name="Elbow Connector 82"/>
+            <p:cNvPr id="178" name="Elbow Connector 177"/>
             <p:cNvCxnSpPr/>
             <p:nvPr/>
           </p:nvCxnSpPr>
           <p:spPr>
             <a:xfrm>
-              <a:off x="2647118" y="5581300"/>
+              <a:off x="878114" y="4763223"/>
               <a:ext cx="1138036" cy="863600"/>
             </a:xfrm>
             <a:prstGeom prst="bentConnector3">
@@ -4308,13 +4308,13 @@
         </p:cxnSp>
         <p:cxnSp>
           <p:nvCxnSpPr>
-            <p:cNvPr id="84" name="Elbow Connector 83"/>
+            <p:cNvPr id="179" name="Elbow Connector 178"/>
             <p:cNvCxnSpPr/>
             <p:nvPr/>
           </p:nvCxnSpPr>
           <p:spPr>
             <a:xfrm rot="10800000">
-              <a:off x="2990666" y="6026548"/>
+              <a:off x="1221662" y="5208471"/>
               <a:ext cx="794493" cy="418354"/>
             </a:xfrm>
             <a:prstGeom prst="bentConnector3">
@@ -4346,13 +4346,13 @@
         </p:cxnSp>
         <p:cxnSp>
           <p:nvCxnSpPr>
-            <p:cNvPr id="85" name="Straight Arrow Connector 84"/>
+            <p:cNvPr id="180" name="Straight Arrow Connector 179"/>
             <p:cNvCxnSpPr/>
             <p:nvPr/>
           </p:nvCxnSpPr>
           <p:spPr>
             <a:xfrm>
-              <a:off x="2990666" y="6026548"/>
+              <a:off x="1221662" y="5208471"/>
               <a:ext cx="367769" cy="0"/>
             </a:xfrm>
             <a:prstGeom prst="straightConnector1">
@@ -4383,13 +4383,13 @@
         </p:cxnSp>
         <p:sp>
           <p:nvSpPr>
-            <p:cNvPr id="10" name="Oval 9"/>
+            <p:cNvPr id="181" name="Oval 180"/>
             <p:cNvSpPr/>
             <p:nvPr/>
           </p:nvSpPr>
           <p:spPr>
             <a:xfrm>
-              <a:off x="5078634" y="6559093"/>
+              <a:off x="3309630" y="5741016"/>
               <a:ext cx="381000" cy="381000"/>
             </a:xfrm>
             <a:prstGeom prst="ellipse">
@@ -4430,13 +4430,13 @@
         </p:sp>
         <p:sp>
           <p:nvSpPr>
-            <p:cNvPr id="110" name="Rectangle 109"/>
+            <p:cNvPr id="182" name="Rectangle 181"/>
             <p:cNvSpPr/>
             <p:nvPr/>
           </p:nvSpPr>
           <p:spPr>
             <a:xfrm>
-              <a:off x="2457974" y="6566581"/>
+              <a:off x="688970" y="5748504"/>
               <a:ext cx="1502790" cy="380186"/>
             </a:xfrm>
             <a:prstGeom prst="rect">
@@ -4475,13 +4475,13 @@
         </p:sp>
         <p:cxnSp>
           <p:nvCxnSpPr>
-            <p:cNvPr id="82" name="Elbow Connector 81"/>
+            <p:cNvPr id="183" name="Elbow Connector 182"/>
             <p:cNvCxnSpPr/>
             <p:nvPr/>
           </p:nvCxnSpPr>
           <p:spPr>
             <a:xfrm rot="10800000">
-              <a:off x="2606595" y="5581300"/>
+              <a:off x="837591" y="4763223"/>
               <a:ext cx="2413155" cy="1209040"/>
             </a:xfrm>
             <a:prstGeom prst="bentConnector3">
@@ -4512,244 +4512,16 @@
           </p:style>
         </p:cxnSp>
       </p:grpSp>
-      <p:graphicFrame>
-        <p:nvGraphicFramePr>
-          <p:cNvPr id="60" name="Object 59"/>
-          <p:cNvGraphicFramePr>
-            <a:graphicFrameLocks noChangeAspect="1"/>
-          </p:cNvGraphicFramePr>
-          <p:nvPr>
-            <p:extLst>
-              <p:ext uri="{D42A27DB-BD31-4B8C-83A1-F6EECF244321}">
-                <p14:modId xmlns:p14="http://schemas.microsoft.com/office/powerpoint/2010/main" val="26821537"/>
-              </p:ext>
-            </p:extLst>
-          </p:nvPr>
-        </p:nvGraphicFramePr>
-        <p:xfrm>
-          <a:off x="3372762" y="5351363"/>
-          <a:ext cx="1027113" cy="366712"/>
-        </p:xfrm>
-        <a:graphic>
-          <a:graphicData uri="http://schemas.openxmlformats.org/presentationml/2006/ole">
-            <mc:AlternateContent xmlns:mc="http://schemas.openxmlformats.org/markup-compatibility/2006">
-              <mc:Choice xmlns:v="urn:schemas-microsoft-com:vml" Requires="v">
-                <p:oleObj spid="_x0000_s1050" name="Document" r:id="rId3" imgW="5956042" imgH="2114120" progId="Word.Document.12">
-                  <p:embed/>
-                </p:oleObj>
-              </mc:Choice>
-              <mc:Fallback>
-                <p:oleObj name="Document" r:id="rId3" imgW="5956042" imgH="2114120" progId="Word.Document.12">
-                  <p:embed/>
-                  <p:pic>
-                    <p:nvPicPr>
-                      <p:cNvPr id="54" name="Object 53"/>
-                      <p:cNvPicPr/>
-                      <p:nvPr/>
-                    </p:nvPicPr>
-                    <p:blipFill>
-                      <a:blip r:embed="rId4"/>
-                      <a:stretch>
-                        <a:fillRect/>
-                      </a:stretch>
-                    </p:blipFill>
-                    <p:spPr>
-                      <a:xfrm>
-                        <a:off x="3372762" y="5351363"/>
-                        <a:ext cx="1027113" cy="366712"/>
-                      </a:xfrm>
-                      <a:prstGeom prst="rect">
-                        <a:avLst/>
-                      </a:prstGeom>
-                    </p:spPr>
-                  </p:pic>
-                </p:oleObj>
-              </mc:Fallback>
-            </mc:AlternateContent>
-          </a:graphicData>
-        </a:graphic>
-      </p:graphicFrame>
-      <p:graphicFrame>
-        <p:nvGraphicFramePr>
-          <p:cNvPr id="61" name="Object 60"/>
-          <p:cNvGraphicFramePr>
-            <a:graphicFrameLocks noChangeAspect="1"/>
-          </p:cNvGraphicFramePr>
-          <p:nvPr>
-            <p:extLst>
-              <p:ext uri="{D42A27DB-BD31-4B8C-83A1-F6EECF244321}">
-                <p14:modId xmlns:p14="http://schemas.microsoft.com/office/powerpoint/2010/main" val="3809329251"/>
-              </p:ext>
-            </p:extLst>
-          </p:nvPr>
-        </p:nvGraphicFramePr>
-        <p:xfrm>
-          <a:off x="3734101" y="4985275"/>
-          <a:ext cx="1027112" cy="366712"/>
-        </p:xfrm>
-        <a:graphic>
-          <a:graphicData uri="http://schemas.openxmlformats.org/presentationml/2006/ole">
-            <mc:AlternateContent xmlns:mc="http://schemas.openxmlformats.org/markup-compatibility/2006">
-              <mc:Choice xmlns:v="urn:schemas-microsoft-com:vml" Requires="v">
-                <p:oleObj spid="_x0000_s1051" name="Document" r:id="rId5" imgW="5956042" imgH="2114120" progId="Word.Document.12">
-                  <p:embed/>
-                </p:oleObj>
-              </mc:Choice>
-              <mc:Fallback>
-                <p:oleObj name="Document" r:id="rId5" imgW="5956042" imgH="2114120" progId="Word.Document.12">
-                  <p:embed/>
-                  <p:pic>
-                    <p:nvPicPr>
-                      <p:cNvPr id="55" name="Object 54"/>
-                      <p:cNvPicPr/>
-                      <p:nvPr/>
-                    </p:nvPicPr>
-                    <p:blipFill>
-                      <a:blip r:embed="rId6"/>
-                      <a:stretch>
-                        <a:fillRect/>
-                      </a:stretch>
-                    </p:blipFill>
-                    <p:spPr>
-                      <a:xfrm>
-                        <a:off x="3734101" y="4985275"/>
-                        <a:ext cx="1027112" cy="366712"/>
-                      </a:xfrm>
-                      <a:prstGeom prst="rect">
-                        <a:avLst/>
-                      </a:prstGeom>
-                    </p:spPr>
-                  </p:pic>
-                </p:oleObj>
-              </mc:Fallback>
-            </mc:AlternateContent>
-          </a:graphicData>
-        </a:graphic>
-      </p:graphicFrame>
-      <p:graphicFrame>
-        <p:nvGraphicFramePr>
-          <p:cNvPr id="62" name="Object 61"/>
-          <p:cNvGraphicFramePr>
-            <a:graphicFrameLocks noChangeAspect="1"/>
-          </p:cNvGraphicFramePr>
-          <p:nvPr>
-            <p:extLst>
-              <p:ext uri="{D42A27DB-BD31-4B8C-83A1-F6EECF244321}">
-                <p14:modId xmlns:p14="http://schemas.microsoft.com/office/powerpoint/2010/main" val="1474823924"/>
-              </p:ext>
-            </p:extLst>
-          </p:nvPr>
-        </p:nvGraphicFramePr>
-        <p:xfrm>
-          <a:off x="4109420" y="4630009"/>
-          <a:ext cx="1025525" cy="365125"/>
-        </p:xfrm>
-        <a:graphic>
-          <a:graphicData uri="http://schemas.openxmlformats.org/presentationml/2006/ole">
-            <mc:AlternateContent xmlns:mc="http://schemas.openxmlformats.org/markup-compatibility/2006">
-              <mc:Choice xmlns:v="urn:schemas-microsoft-com:vml" Requires="v">
-                <p:oleObj spid="_x0000_s1052" name="Document" r:id="rId7" imgW="5956042" imgH="2114120" progId="Word.Document.12">
-                  <p:embed/>
-                </p:oleObj>
-              </mc:Choice>
-              <mc:Fallback>
-                <p:oleObj name="Document" r:id="rId7" imgW="5956042" imgH="2114120" progId="Word.Document.12">
-                  <p:embed/>
-                  <p:pic>
-                    <p:nvPicPr>
-                      <p:cNvPr id="56" name="Object 55"/>
-                      <p:cNvPicPr/>
-                      <p:nvPr/>
-                    </p:nvPicPr>
-                    <p:blipFill>
-                      <a:blip r:embed="rId8"/>
-                      <a:stretch>
-                        <a:fillRect/>
-                      </a:stretch>
-                    </p:blipFill>
-                    <p:spPr>
-                      <a:xfrm>
-                        <a:off x="4109420" y="4630009"/>
-                        <a:ext cx="1025525" cy="365125"/>
-                      </a:xfrm>
-                      <a:prstGeom prst="rect">
-                        <a:avLst/>
-                      </a:prstGeom>
-                    </p:spPr>
-                  </p:pic>
-                </p:oleObj>
-              </mc:Fallback>
-            </mc:AlternateContent>
-          </a:graphicData>
-        </a:graphic>
-      </p:graphicFrame>
-      <p:graphicFrame>
-        <p:nvGraphicFramePr>
-          <p:cNvPr id="63" name="Object 62"/>
-          <p:cNvGraphicFramePr>
-            <a:graphicFrameLocks noChangeAspect="1"/>
-          </p:cNvGraphicFramePr>
-          <p:nvPr>
-            <p:extLst>
-              <p:ext uri="{D42A27DB-BD31-4B8C-83A1-F6EECF244321}">
-                <p14:modId xmlns:p14="http://schemas.microsoft.com/office/powerpoint/2010/main" val="850909699"/>
-              </p:ext>
-            </p:extLst>
-          </p:nvPr>
-        </p:nvGraphicFramePr>
-        <p:xfrm>
-          <a:off x="2981960" y="5730875"/>
-          <a:ext cx="1025525" cy="365125"/>
-        </p:xfrm>
-        <a:graphic>
-          <a:graphicData uri="http://schemas.openxmlformats.org/presentationml/2006/ole">
-            <mc:AlternateContent xmlns:mc="http://schemas.openxmlformats.org/markup-compatibility/2006">
-              <mc:Choice xmlns:v="urn:schemas-microsoft-com:vml" Requires="v">
-                <p:oleObj spid="_x0000_s1053" name="Document" r:id="rId9" imgW="5956042" imgH="2114120" progId="Word.Document.12">
-                  <p:embed/>
-                </p:oleObj>
-              </mc:Choice>
-              <mc:Fallback>
-                <p:oleObj name="Document" r:id="rId9" imgW="5956042" imgH="2114120" progId="Word.Document.12">
-                  <p:embed/>
-                  <p:pic>
-                    <p:nvPicPr>
-                      <p:cNvPr id="54" name="Object 53"/>
-                      <p:cNvPicPr/>
-                      <p:nvPr/>
-                    </p:nvPicPr>
-                    <p:blipFill>
-                      <a:blip r:embed="rId10"/>
-                      <a:stretch>
-                        <a:fillRect/>
-                      </a:stretch>
-                    </p:blipFill>
-                    <p:spPr>
-                      <a:xfrm>
-                        <a:off x="2981960" y="5730875"/>
-                        <a:ext cx="1025525" cy="365125"/>
-                      </a:xfrm>
-                      <a:prstGeom prst="rect">
-                        <a:avLst/>
-                      </a:prstGeom>
-                    </p:spPr>
-                  </p:pic>
-                </p:oleObj>
-              </mc:Fallback>
-            </mc:AlternateContent>
-          </a:graphicData>
-        </a:graphic>
-      </p:graphicFrame>
       <p:sp>
         <p:nvSpPr>
-          <p:cNvPr id="12" name="TextBox 11"/>
+          <p:cNvPr id="184" name="TextBox 183"/>
           <p:cNvSpPr txBox="1"/>
           <p:nvPr/>
         </p:nvSpPr>
         <p:spPr>
           <a:xfrm>
-            <a:off x="2445783" y="3013042"/>
-            <a:ext cx="574196" cy="523220"/>
+            <a:off x="15588" y="2418401"/>
+            <a:ext cx="4872304" cy="523220"/>
           </a:xfrm>
           <a:prstGeom prst="rect">
             <a:avLst/>
@@ -4757,28 +4529,36 @@
           <a:noFill/>
         </p:spPr>
         <p:txBody>
-          <a:bodyPr wrap="none" rtlCol="0">
+          <a:bodyPr wrap="square" rtlCol="0">
             <a:spAutoFit/>
           </a:bodyPr>
           <a:lstStyle/>
           <a:p>
+            <a:pPr algn="ctr"/>
             <a:r>
-              <a:rPr lang="en-US" sz="2800" dirty="0"/>
+              <a:rPr lang="en-US" sz="2800" dirty="0" smtClean="0">
+                <a:latin typeface="Times New Roman"/>
+                <a:cs typeface="Times New Roman"/>
+              </a:rPr>
               <a:t>(a)</a:t>
             </a:r>
+            <a:endParaRPr lang="en-US" sz="2800" dirty="0">
+              <a:latin typeface="Times New Roman"/>
+              <a:cs typeface="Times New Roman"/>
+            </a:endParaRPr>
           </a:p>
         </p:txBody>
       </p:sp>
       <p:sp>
         <p:nvSpPr>
-          <p:cNvPr id="65" name="TextBox 64"/>
+          <p:cNvPr id="185" name="TextBox 184"/>
           <p:cNvSpPr txBox="1"/>
           <p:nvPr/>
         </p:nvSpPr>
         <p:spPr>
           <a:xfrm>
-            <a:off x="2468922" y="6428188"/>
-            <a:ext cx="591829" cy="523220"/>
+            <a:off x="5175162" y="2393394"/>
+            <a:ext cx="4718079" cy="523220"/>
           </a:xfrm>
           <a:prstGeom prst="rect">
             <a:avLst/>
@@ -4786,13 +4566,17 @@
           <a:noFill/>
         </p:spPr>
         <p:txBody>
-          <a:bodyPr wrap="none" rtlCol="0">
+          <a:bodyPr wrap="square" rtlCol="0">
             <a:spAutoFit/>
           </a:bodyPr>
           <a:lstStyle/>
           <a:p>
+            <a:pPr algn="ctr"/>
             <a:r>
-              <a:rPr lang="en-US" sz="2800" dirty="0"/>
+              <a:rPr lang="en-US" sz="2800" dirty="0">
+                <a:latin typeface="Times New Roman"/>
+                <a:cs typeface="Times New Roman"/>
+              </a:rPr>
               <a:t>(b)</a:t>
             </a:r>
           </a:p>
@@ -4800,28 +4584,28 @@
       </p:sp>
       <p:grpSp>
         <p:nvGrpSpPr>
-          <p:cNvPr id="64" name="Group 63"/>
+          <p:cNvPr id="186" name="Group 185"/>
           <p:cNvGrpSpPr/>
           <p:nvPr/>
         </p:nvGrpSpPr>
         <p:grpSpPr>
           <a:xfrm>
-            <a:off x="309632" y="156196"/>
-            <a:ext cx="4872378" cy="2929065"/>
-            <a:chOff x="2092394" y="758078"/>
-            <a:chExt cx="4872378" cy="2929065"/>
+            <a:off x="15514" y="143790"/>
+            <a:ext cx="5279894" cy="2274611"/>
+            <a:chOff x="309632" y="237359"/>
+            <a:chExt cx="5279894" cy="2274611"/>
           </a:xfrm>
         </p:grpSpPr>
         <p:sp>
           <p:nvSpPr>
-            <p:cNvPr id="66" name="Rectangle 65"/>
+            <p:cNvPr id="187" name="Rectangle 186"/>
             <p:cNvSpPr/>
             <p:nvPr/>
           </p:nvSpPr>
           <p:spPr>
             <a:xfrm flipH="1">
-              <a:off x="2092469" y="758078"/>
-              <a:ext cx="4872303" cy="2167097"/>
+              <a:off x="309706" y="237359"/>
+              <a:ext cx="4872303" cy="2085934"/>
             </a:xfrm>
             <a:prstGeom prst="rect">
               <a:avLst/>
@@ -4859,13 +4643,13 @@
         </p:sp>
         <p:sp>
           <p:nvSpPr>
-            <p:cNvPr id="67" name="Rectangle 66"/>
+            <p:cNvPr id="188" name="Rectangle 187"/>
             <p:cNvSpPr/>
             <p:nvPr/>
           </p:nvSpPr>
           <p:spPr>
             <a:xfrm>
-              <a:off x="2473642" y="2175532"/>
+              <a:off x="687710" y="989786"/>
               <a:ext cx="1500880" cy="380186"/>
             </a:xfrm>
             <a:prstGeom prst="rect">
@@ -4904,14 +4688,14 @@
         </p:sp>
         <p:sp>
           <p:nvSpPr>
-            <p:cNvPr id="68" name="Rectangle 67"/>
+            <p:cNvPr id="189" name="Rectangle 188"/>
             <p:cNvSpPr/>
             <p:nvPr/>
           </p:nvSpPr>
           <p:spPr>
             <a:xfrm>
-              <a:off x="2092394" y="2554191"/>
-              <a:ext cx="4872378" cy="1132952"/>
+              <a:off x="309632" y="1952309"/>
+              <a:ext cx="4872378" cy="534654"/>
             </a:xfrm>
             <a:prstGeom prst="rect">
               <a:avLst/>
@@ -4949,13 +4733,13 @@
         </p:sp>
         <p:sp>
           <p:nvSpPr>
-            <p:cNvPr id="69" name="Rectangle 68"/>
+            <p:cNvPr id="190" name="Rectangle 189"/>
             <p:cNvSpPr/>
             <p:nvPr/>
           </p:nvSpPr>
           <p:spPr>
             <a:xfrm>
-              <a:off x="2471732" y="2925040"/>
+              <a:off x="685800" y="1739294"/>
               <a:ext cx="3012534" cy="380186"/>
             </a:xfrm>
             <a:prstGeom prst="rect">
@@ -4994,13 +4778,13 @@
         </p:sp>
         <p:sp>
           <p:nvSpPr>
-            <p:cNvPr id="70" name="Rectangle 69"/>
+            <p:cNvPr id="191" name="Rectangle 190"/>
             <p:cNvSpPr/>
             <p:nvPr/>
           </p:nvSpPr>
           <p:spPr>
             <a:xfrm>
-              <a:off x="3972992" y="2921206"/>
+              <a:off x="2187060" y="1735460"/>
               <a:ext cx="372309" cy="384699"/>
             </a:xfrm>
             <a:prstGeom prst="rect">
@@ -5044,13 +4828,13 @@
         </p:sp>
         <p:sp>
           <p:nvSpPr>
-            <p:cNvPr id="71" name="Rectangle 70"/>
+            <p:cNvPr id="192" name="Rectangle 191"/>
             <p:cNvSpPr/>
             <p:nvPr/>
           </p:nvSpPr>
           <p:spPr>
             <a:xfrm>
-              <a:off x="2471732" y="2551915"/>
+              <a:off x="685800" y="1366169"/>
               <a:ext cx="1502790" cy="380186"/>
             </a:xfrm>
             <a:prstGeom prst="rect">
@@ -5089,13 +4873,13 @@
         </p:sp>
         <p:sp>
           <p:nvSpPr>
-            <p:cNvPr id="72" name="Rectangle 71"/>
+            <p:cNvPr id="193" name="Rectangle 192"/>
             <p:cNvSpPr/>
             <p:nvPr/>
           </p:nvSpPr>
           <p:spPr>
             <a:xfrm>
-              <a:off x="2471732" y="1795346"/>
+              <a:off x="685800" y="609600"/>
               <a:ext cx="1502790" cy="380186"/>
             </a:xfrm>
             <a:prstGeom prst="rect">
@@ -5134,13 +4918,13 @@
         </p:sp>
         <p:sp>
           <p:nvSpPr>
-            <p:cNvPr id="73" name="Rectangle 72"/>
+            <p:cNvPr id="194" name="Rectangle 193"/>
             <p:cNvSpPr/>
             <p:nvPr/>
           </p:nvSpPr>
           <p:spPr>
             <a:xfrm>
-              <a:off x="6211114" y="1818128"/>
+              <a:off x="4425182" y="632382"/>
               <a:ext cx="376827" cy="370849"/>
             </a:xfrm>
             <a:prstGeom prst="rect">
@@ -5184,13 +4968,13 @@
         </p:sp>
         <p:sp>
           <p:nvSpPr>
-            <p:cNvPr id="74" name="Rectangle 73"/>
+            <p:cNvPr id="195" name="Rectangle 194"/>
             <p:cNvSpPr/>
             <p:nvPr/>
           </p:nvSpPr>
           <p:spPr>
             <a:xfrm>
-              <a:off x="5847690" y="1818129"/>
+              <a:off x="4061758" y="632383"/>
               <a:ext cx="376827" cy="370849"/>
             </a:xfrm>
             <a:prstGeom prst="rect">
@@ -5234,13 +5018,13 @@
         </p:sp>
         <p:sp>
           <p:nvSpPr>
-            <p:cNvPr id="75" name="Rectangle 74"/>
+            <p:cNvPr id="196" name="Rectangle 195"/>
             <p:cNvSpPr/>
             <p:nvPr/>
           </p:nvSpPr>
           <p:spPr>
             <a:xfrm>
-              <a:off x="5847691" y="2182274"/>
+              <a:off x="4061759" y="996528"/>
               <a:ext cx="376827" cy="370849"/>
             </a:xfrm>
             <a:prstGeom prst="rect">
@@ -5284,13 +5068,13 @@
         </p:sp>
         <p:sp>
           <p:nvSpPr>
-            <p:cNvPr id="76" name="Rectangle 75"/>
+            <p:cNvPr id="197" name="Rectangle 196"/>
             <p:cNvSpPr/>
             <p:nvPr/>
           </p:nvSpPr>
           <p:spPr>
             <a:xfrm>
-              <a:off x="5484266" y="2183342"/>
+              <a:off x="3698334" y="997596"/>
               <a:ext cx="376827" cy="370849"/>
             </a:xfrm>
             <a:prstGeom prst="rect">
@@ -5334,13 +5118,13 @@
         </p:sp>
         <p:sp>
           <p:nvSpPr>
-            <p:cNvPr id="77" name="Rectangle 76"/>
+            <p:cNvPr id="198" name="Rectangle 197"/>
             <p:cNvSpPr/>
             <p:nvPr/>
           </p:nvSpPr>
           <p:spPr>
             <a:xfrm>
-              <a:off x="5484266" y="2547487"/>
+              <a:off x="3698334" y="1361741"/>
               <a:ext cx="376827" cy="370849"/>
             </a:xfrm>
             <a:prstGeom prst="rect">
@@ -5384,13 +5168,13 @@
         </p:sp>
         <p:sp>
           <p:nvSpPr>
-            <p:cNvPr id="78" name="Rectangle 77"/>
+            <p:cNvPr id="199" name="Rectangle 198"/>
             <p:cNvSpPr/>
             <p:nvPr/>
           </p:nvSpPr>
           <p:spPr>
             <a:xfrm>
-              <a:off x="5107439" y="2555718"/>
+              <a:off x="3321507" y="1369972"/>
               <a:ext cx="376827" cy="370849"/>
             </a:xfrm>
             <a:prstGeom prst="rect">
@@ -5434,13 +5218,13 @@
         </p:sp>
         <p:sp>
           <p:nvSpPr>
-            <p:cNvPr id="79" name="Rectangle 78"/>
+            <p:cNvPr id="200" name="Rectangle 199"/>
             <p:cNvSpPr/>
             <p:nvPr/>
           </p:nvSpPr>
           <p:spPr>
             <a:xfrm>
-              <a:off x="4345301" y="2921206"/>
+              <a:off x="2559369" y="1735460"/>
               <a:ext cx="372309" cy="384699"/>
             </a:xfrm>
             <a:prstGeom prst="rect">
@@ -5484,13 +5268,13 @@
         </p:sp>
         <p:sp>
           <p:nvSpPr>
-            <p:cNvPr id="80" name="Oval 79"/>
+            <p:cNvPr id="201" name="Oval 200"/>
             <p:cNvSpPr/>
             <p:nvPr/>
           </p:nvSpPr>
           <p:spPr>
             <a:xfrm>
-              <a:off x="3968108" y="2924701"/>
+              <a:off x="2182176" y="1738955"/>
               <a:ext cx="381000" cy="381000"/>
             </a:xfrm>
             <a:prstGeom prst="ellipse">
@@ -5531,13 +5315,13 @@
         </p:sp>
         <p:sp>
           <p:nvSpPr>
-            <p:cNvPr id="81" name="Rectangle 80"/>
+            <p:cNvPr id="202" name="Rectangle 201"/>
             <p:cNvSpPr/>
             <p:nvPr/>
           </p:nvSpPr>
           <p:spPr>
             <a:xfrm>
-              <a:off x="4715921" y="2920977"/>
+              <a:off x="2929989" y="1735231"/>
               <a:ext cx="372309" cy="384699"/>
             </a:xfrm>
             <a:prstGeom prst="rect">
@@ -5581,13 +5365,13 @@
         </p:sp>
         <p:sp>
           <p:nvSpPr>
-            <p:cNvPr id="86" name="Oval 85"/>
+            <p:cNvPr id="203" name="Oval 202"/>
             <p:cNvSpPr/>
             <p:nvPr/>
           </p:nvSpPr>
           <p:spPr>
             <a:xfrm>
-              <a:off x="4348282" y="2927619"/>
+              <a:off x="2562350" y="1741873"/>
               <a:ext cx="381000" cy="381000"/>
             </a:xfrm>
             <a:prstGeom prst="ellipse">
@@ -5628,13 +5412,13 @@
         </p:sp>
         <p:sp>
           <p:nvSpPr>
-            <p:cNvPr id="87" name="Rectangle 86"/>
+            <p:cNvPr id="204" name="Rectangle 203"/>
             <p:cNvSpPr/>
             <p:nvPr/>
           </p:nvSpPr>
           <p:spPr>
             <a:xfrm>
-              <a:off x="5088230" y="2921206"/>
+              <a:off x="3302298" y="1735460"/>
               <a:ext cx="393795" cy="384699"/>
             </a:xfrm>
             <a:prstGeom prst="rect">
@@ -5678,13 +5462,13 @@
         </p:sp>
         <p:sp>
           <p:nvSpPr>
-            <p:cNvPr id="88" name="Oval 87"/>
+            <p:cNvPr id="205" name="Oval 204"/>
             <p:cNvSpPr/>
             <p:nvPr/>
           </p:nvSpPr>
           <p:spPr>
             <a:xfrm>
-              <a:off x="5104953" y="2920860"/>
+              <a:off x="3319021" y="1735114"/>
               <a:ext cx="381000" cy="381000"/>
             </a:xfrm>
             <a:prstGeom prst="ellipse">
@@ -5725,13 +5509,13 @@
         </p:sp>
         <p:sp>
           <p:nvSpPr>
-            <p:cNvPr id="89" name="Oval 88"/>
+            <p:cNvPr id="206" name="Oval 205"/>
             <p:cNvSpPr/>
             <p:nvPr/>
           </p:nvSpPr>
           <p:spPr>
             <a:xfrm>
-              <a:off x="4725605" y="2926810"/>
+              <a:off x="2939673" y="1741064"/>
               <a:ext cx="381000" cy="381000"/>
             </a:xfrm>
             <a:prstGeom prst="ellipse">
@@ -5770,235 +5554,313 @@
             </a:p>
           </p:txBody>
         </p:sp>
+        <p:graphicFrame>
+          <p:nvGraphicFramePr>
+            <p:cNvPr id="207" name="Object 206"/>
+            <p:cNvGraphicFramePr>
+              <a:graphicFrameLocks noChangeAspect="1"/>
+            </p:cNvGraphicFramePr>
+            <p:nvPr>
+              <p:extLst>
+                <p:ext uri="{D42A27DB-BD31-4B8C-83A1-F6EECF244321}">
+                  <p14:modId xmlns:p14="http://schemas.microsoft.com/office/powerpoint/2010/main" val="5947141"/>
+                </p:ext>
+              </p:extLst>
+            </p:nvPr>
+          </p:nvGraphicFramePr>
+          <p:xfrm>
+            <a:off x="2390496" y="2127665"/>
+            <a:ext cx="1082364" cy="384305"/>
+          </p:xfrm>
+          <a:graphic>
+            <a:graphicData uri="http://schemas.openxmlformats.org/presentationml/2006/ole">
+              <mc:AlternateContent xmlns:mc="http://schemas.openxmlformats.org/markup-compatibility/2006">
+                <mc:Choice xmlns:v="urn:schemas-microsoft-com:vml" Requires="v">
+                  <p:oleObj spid="_x0000_s1059" name="Document" r:id="rId3" imgW="5943600" imgH="2108200" progId="Word.Document.12">
+                    <p:embed/>
+                  </p:oleObj>
+                </mc:Choice>
+                <mc:Fallback>
+                  <p:oleObj name="Document" r:id="rId3" imgW="5943600" imgH="2108200" progId="Word.Document.12">
+                    <p:embed/>
+                    <p:pic>
+                      <p:nvPicPr>
+                        <p:cNvPr id="0" name=""/>
+                        <p:cNvPicPr/>
+                        <p:nvPr/>
+                      </p:nvPicPr>
+                      <p:blipFill>
+                        <a:blip r:embed="rId4"/>
+                        <a:stretch>
+                          <a:fillRect/>
+                        </a:stretch>
+                      </p:blipFill>
+                      <p:spPr>
+                        <a:xfrm>
+                          <a:off x="2390496" y="2127665"/>
+                          <a:ext cx="1082364" cy="384305"/>
+                        </a:xfrm>
+                        <a:prstGeom prst="rect">
+                          <a:avLst/>
+                        </a:prstGeom>
+                      </p:spPr>
+                    </p:pic>
+                  </p:oleObj>
+                </mc:Fallback>
+              </mc:AlternateContent>
+            </a:graphicData>
+          </a:graphic>
+        </p:graphicFrame>
+        <p:sp>
+          <p:nvSpPr>
+            <p:cNvPr id="208" name="Left Brace 207"/>
+            <p:cNvSpPr/>
+            <p:nvPr/>
+          </p:nvSpPr>
+          <p:spPr>
+            <a:xfrm rot="16200000">
+              <a:off x="2882652" y="1460751"/>
+              <a:ext cx="118533" cy="1464232"/>
+            </a:xfrm>
+            <a:prstGeom prst="leftBrace">
+              <a:avLst/>
+            </a:prstGeom>
+            <a:ln>
+              <a:solidFill>
+                <a:schemeClr val="bg1">
+                  <a:lumMod val="65000"/>
+                </a:schemeClr>
+              </a:solidFill>
+            </a:ln>
+          </p:spPr>
+          <p:style>
+            <a:lnRef idx="2">
+              <a:schemeClr val="accent1"/>
+            </a:lnRef>
+            <a:fillRef idx="0">
+              <a:schemeClr val="accent1"/>
+            </a:fillRef>
+            <a:effectRef idx="1">
+              <a:schemeClr val="accent1"/>
+            </a:effectRef>
+            <a:fontRef idx="minor">
+              <a:schemeClr val="tx1"/>
+            </a:fontRef>
+          </p:style>
+          <p:txBody>
+            <a:bodyPr rtlCol="0" anchor="ctr"/>
+            <a:lstStyle/>
+            <a:p>
+              <a:pPr algn="ctr"/>
+              <a:endParaRPr lang="en-US"/>
+            </a:p>
+          </p:txBody>
+        </p:sp>
+        <p:graphicFrame>
+          <p:nvGraphicFramePr>
+            <p:cNvPr id="209" name="Object 208"/>
+            <p:cNvGraphicFramePr>
+              <a:graphicFrameLocks noChangeAspect="1"/>
+            </p:cNvGraphicFramePr>
+            <p:nvPr>
+              <p:extLst>
+                <p:ext uri="{D42A27DB-BD31-4B8C-83A1-F6EECF244321}">
+                  <p14:modId xmlns:p14="http://schemas.microsoft.com/office/powerpoint/2010/main" val="3781102443"/>
+                </p:ext>
+              </p:extLst>
+            </p:nvPr>
+          </p:nvGraphicFramePr>
+          <p:xfrm>
+            <a:off x="881451" y="2127665"/>
+            <a:ext cx="1082364" cy="384305"/>
+          </p:xfrm>
+          <a:graphic>
+            <a:graphicData uri="http://schemas.openxmlformats.org/presentationml/2006/ole">
+              <mc:AlternateContent xmlns:mc="http://schemas.openxmlformats.org/markup-compatibility/2006">
+                <mc:Choice xmlns:v="urn:schemas-microsoft-com:vml" Requires="v">
+                  <p:oleObj spid="_x0000_s1060" name="Document" r:id="rId5" imgW="5943600" imgH="2108200" progId="Word.Document.12">
+                    <p:embed/>
+                  </p:oleObj>
+                </mc:Choice>
+                <mc:Fallback>
+                  <p:oleObj name="Document" r:id="rId5" imgW="5943600" imgH="2108200" progId="Word.Document.12">
+                    <p:embed/>
+                    <p:pic>
+                      <p:nvPicPr>
+                        <p:cNvPr id="0" name=""/>
+                        <p:cNvPicPr/>
+                        <p:nvPr/>
+                      </p:nvPicPr>
+                      <p:blipFill>
+                        <a:blip r:embed="rId4"/>
+                        <a:stretch>
+                          <a:fillRect/>
+                        </a:stretch>
+                      </p:blipFill>
+                      <p:spPr>
+                        <a:xfrm>
+                          <a:off x="881451" y="2127665"/>
+                          <a:ext cx="1082364" cy="384305"/>
+                        </a:xfrm>
+                        <a:prstGeom prst="rect">
+                          <a:avLst/>
+                        </a:prstGeom>
+                      </p:spPr>
+                    </p:pic>
+                  </p:oleObj>
+                </mc:Fallback>
+              </mc:AlternateContent>
+            </a:graphicData>
+          </a:graphic>
+        </p:graphicFrame>
+        <p:sp>
+          <p:nvSpPr>
+            <p:cNvPr id="210" name="Left Brace 209"/>
+            <p:cNvSpPr/>
+            <p:nvPr/>
+          </p:nvSpPr>
+          <p:spPr>
+            <a:xfrm flipH="1">
+              <a:off x="4814780" y="644616"/>
+              <a:ext cx="112820" cy="1491858"/>
+            </a:xfrm>
+            <a:prstGeom prst="leftBrace">
+              <a:avLst/>
+            </a:prstGeom>
+            <a:ln>
+              <a:solidFill>
+                <a:schemeClr val="bg1">
+                  <a:lumMod val="65000"/>
+                </a:schemeClr>
+              </a:solidFill>
+            </a:ln>
+          </p:spPr>
+          <p:style>
+            <a:lnRef idx="2">
+              <a:schemeClr val="accent1"/>
+            </a:lnRef>
+            <a:fillRef idx="0">
+              <a:schemeClr val="accent1"/>
+            </a:fillRef>
+            <a:effectRef idx="1">
+              <a:schemeClr val="accent1"/>
+            </a:effectRef>
+            <a:fontRef idx="minor">
+              <a:schemeClr val="tx1"/>
+            </a:fontRef>
+          </p:style>
+          <p:txBody>
+            <a:bodyPr rtlCol="0" anchor="ctr"/>
+            <a:lstStyle/>
+            <a:p>
+              <a:pPr algn="ctr"/>
+              <a:endParaRPr lang="en-US"/>
+            </a:p>
+          </p:txBody>
+        </p:sp>
+        <p:graphicFrame>
+          <p:nvGraphicFramePr>
+            <p:cNvPr id="211" name="Object 210"/>
+            <p:cNvGraphicFramePr>
+              <a:graphicFrameLocks noChangeAspect="1"/>
+            </p:cNvGraphicFramePr>
+            <p:nvPr>
+              <p:extLst>
+                <p:ext uri="{D42A27DB-BD31-4B8C-83A1-F6EECF244321}">
+                  <p14:modId xmlns:p14="http://schemas.microsoft.com/office/powerpoint/2010/main" val="2844897452"/>
+                </p:ext>
+              </p:extLst>
+            </p:nvPr>
+          </p:nvGraphicFramePr>
+          <p:xfrm>
+            <a:off x="4507162" y="1169588"/>
+            <a:ext cx="1082364" cy="384305"/>
+          </p:xfrm>
+          <a:graphic>
+            <a:graphicData uri="http://schemas.openxmlformats.org/presentationml/2006/ole">
+              <mc:AlternateContent xmlns:mc="http://schemas.openxmlformats.org/markup-compatibility/2006">
+                <mc:Choice xmlns:v="urn:schemas-microsoft-com:vml" Requires="v">
+                  <p:oleObj spid="_x0000_s1061" name="Document" r:id="rId6" imgW="5943600" imgH="2108200" progId="Word.Document.12">
+                    <p:embed/>
+                  </p:oleObj>
+                </mc:Choice>
+                <mc:Fallback>
+                  <p:oleObj name="Document" r:id="rId6" imgW="5943600" imgH="2108200" progId="Word.Document.12">
+                    <p:embed/>
+                    <p:pic>
+                      <p:nvPicPr>
+                        <p:cNvPr id="0" name=""/>
+                        <p:cNvPicPr/>
+                        <p:nvPr/>
+                      </p:nvPicPr>
+                      <p:blipFill>
+                        <a:blip r:embed="rId4"/>
+                        <a:stretch>
+                          <a:fillRect/>
+                        </a:stretch>
+                      </p:blipFill>
+                      <p:spPr>
+                        <a:xfrm>
+                          <a:off x="4507162" y="1169588"/>
+                          <a:ext cx="1082364" cy="384305"/>
+                        </a:xfrm>
+                        <a:prstGeom prst="rect">
+                          <a:avLst/>
+                        </a:prstGeom>
+                      </p:spPr>
+                    </p:pic>
+                  </p:oleObj>
+                </mc:Fallback>
+              </mc:AlternateContent>
+            </a:graphicData>
+          </a:graphic>
+        </p:graphicFrame>
+        <p:sp>
+          <p:nvSpPr>
+            <p:cNvPr id="212" name="Left Brace 211"/>
+            <p:cNvSpPr/>
+            <p:nvPr/>
+          </p:nvSpPr>
+          <p:spPr>
+            <a:xfrm rot="16200000">
+              <a:off x="1371356" y="1460750"/>
+              <a:ext cx="118533" cy="1464232"/>
+            </a:xfrm>
+            <a:prstGeom prst="leftBrace">
+              <a:avLst/>
+            </a:prstGeom>
+            <a:ln>
+              <a:solidFill>
+                <a:schemeClr val="bg1">
+                  <a:lumMod val="65000"/>
+                </a:schemeClr>
+              </a:solidFill>
+            </a:ln>
+          </p:spPr>
+          <p:style>
+            <a:lnRef idx="2">
+              <a:schemeClr val="accent1"/>
+            </a:lnRef>
+            <a:fillRef idx="0">
+              <a:schemeClr val="accent1"/>
+            </a:fillRef>
+            <a:effectRef idx="1">
+              <a:schemeClr val="accent1"/>
+            </a:effectRef>
+            <a:fontRef idx="minor">
+              <a:schemeClr val="tx1"/>
+            </a:fontRef>
+          </p:style>
+          <p:txBody>
+            <a:bodyPr rtlCol="0" anchor="ctr"/>
+            <a:lstStyle/>
+            <a:p>
+              <a:pPr algn="ctr"/>
+              <a:endParaRPr lang="en-US"/>
+            </a:p>
+          </p:txBody>
+        </p:sp>
       </p:grpSp>
-      <p:graphicFrame>
-        <p:nvGraphicFramePr>
-          <p:cNvPr id="90" name="Object 89"/>
-          <p:cNvGraphicFramePr>
-            <a:graphicFrameLocks noChangeAspect="1"/>
-          </p:cNvGraphicFramePr>
-          <p:nvPr>
-            <p:extLst>
-              <p:ext uri="{D42A27DB-BD31-4B8C-83A1-F6EECF244321}">
-                <p14:modId xmlns:p14="http://schemas.microsoft.com/office/powerpoint/2010/main" val="3770639163"/>
-              </p:ext>
-            </p:extLst>
-          </p:nvPr>
-        </p:nvGraphicFramePr>
-        <p:xfrm>
-          <a:off x="1842446" y="2310572"/>
-          <a:ext cx="1066800" cy="373062"/>
-        </p:xfrm>
-        <a:graphic>
-          <a:graphicData uri="http://schemas.openxmlformats.org/presentationml/2006/ole">
-            <mc:AlternateContent xmlns:mc="http://schemas.openxmlformats.org/markup-compatibility/2006">
-              <mc:Choice xmlns:v="urn:schemas-microsoft-com:vml" Requires="v">
-                <p:oleObj spid="_x0000_s1054" name="Document" r:id="rId11" imgW="5956042" imgH="2113760" progId="Word.Document.12">
-                  <p:embed/>
-                </p:oleObj>
-              </mc:Choice>
-              <mc:Fallback>
-                <p:oleObj name="Document" r:id="rId11" imgW="5956042" imgH="2113760" progId="Word.Document.12">
-                  <p:embed/>
-                  <p:pic>
-                    <p:nvPicPr>
-                      <p:cNvPr id="6" name="Object 5"/>
-                      <p:cNvPicPr/>
-                      <p:nvPr/>
-                    </p:nvPicPr>
-                    <p:blipFill>
-                      <a:blip r:embed="rId12"/>
-                      <a:stretch>
-                        <a:fillRect/>
-                      </a:stretch>
-                    </p:blipFill>
-                    <p:spPr>
-                      <a:xfrm>
-                        <a:off x="1842446" y="2310572"/>
-                        <a:ext cx="1066800" cy="373062"/>
-                      </a:xfrm>
-                      <a:prstGeom prst="rect">
-                        <a:avLst/>
-                      </a:prstGeom>
-                    </p:spPr>
-                  </p:pic>
-                </p:oleObj>
-              </mc:Fallback>
-            </mc:AlternateContent>
-          </a:graphicData>
-        </a:graphic>
-      </p:graphicFrame>
-      <p:graphicFrame>
-        <p:nvGraphicFramePr>
-          <p:cNvPr id="91" name="Object 90"/>
-          <p:cNvGraphicFramePr>
-            <a:graphicFrameLocks noChangeAspect="1"/>
-          </p:cNvGraphicFramePr>
-          <p:nvPr>
-            <p:extLst>
-              <p:ext uri="{D42A27DB-BD31-4B8C-83A1-F6EECF244321}">
-                <p14:modId xmlns:p14="http://schemas.microsoft.com/office/powerpoint/2010/main" val="3633220652"/>
-              </p:ext>
-            </p:extLst>
-          </p:nvPr>
-        </p:nvGraphicFramePr>
-        <p:xfrm>
-          <a:off x="2219325" y="2316163"/>
-          <a:ext cx="1027113" cy="366712"/>
-        </p:xfrm>
-        <a:graphic>
-          <a:graphicData uri="http://schemas.openxmlformats.org/presentationml/2006/ole">
-            <mc:AlternateContent xmlns:mc="http://schemas.openxmlformats.org/markup-compatibility/2006">
-              <mc:Choice xmlns:v="urn:schemas-microsoft-com:vml" Requires="v">
-                <p:oleObj spid="_x0000_s1055" name="Document" r:id="rId13" imgW="5956042" imgH="2114120" progId="Word.Document.12">
-                  <p:embed/>
-                </p:oleObj>
-              </mc:Choice>
-              <mc:Fallback>
-                <p:oleObj name="Document" r:id="rId13" imgW="5956042" imgH="2114120" progId="Word.Document.12">
-                  <p:embed/>
-                  <p:pic>
-                    <p:nvPicPr>
-                      <p:cNvPr id="7" name="Object 6"/>
-                      <p:cNvPicPr/>
-                      <p:nvPr/>
-                    </p:nvPicPr>
-                    <p:blipFill>
-                      <a:blip r:embed="rId14"/>
-                      <a:stretch>
-                        <a:fillRect/>
-                      </a:stretch>
-                    </p:blipFill>
-                    <p:spPr>
-                      <a:xfrm>
-                        <a:off x="2219325" y="2316163"/>
-                        <a:ext cx="1027113" cy="366712"/>
-                      </a:xfrm>
-                      <a:prstGeom prst="rect">
-                        <a:avLst/>
-                      </a:prstGeom>
-                    </p:spPr>
-                  </p:pic>
-                </p:oleObj>
-              </mc:Fallback>
-            </mc:AlternateContent>
-          </a:graphicData>
-        </a:graphic>
-      </p:graphicFrame>
-      <p:graphicFrame>
-        <p:nvGraphicFramePr>
-          <p:cNvPr id="92" name="Object 91"/>
-          <p:cNvGraphicFramePr>
-            <a:graphicFrameLocks noChangeAspect="1"/>
-          </p:cNvGraphicFramePr>
-          <p:nvPr>
-            <p:extLst>
-              <p:ext uri="{D42A27DB-BD31-4B8C-83A1-F6EECF244321}">
-                <p14:modId xmlns:p14="http://schemas.microsoft.com/office/powerpoint/2010/main" val="2854436378"/>
-              </p:ext>
-            </p:extLst>
-          </p:nvPr>
-        </p:nvGraphicFramePr>
-        <p:xfrm>
-          <a:off x="2615883" y="2326323"/>
-          <a:ext cx="1027112" cy="366712"/>
-        </p:xfrm>
-        <a:graphic>
-          <a:graphicData uri="http://schemas.openxmlformats.org/presentationml/2006/ole">
-            <mc:AlternateContent xmlns:mc="http://schemas.openxmlformats.org/markup-compatibility/2006">
-              <mc:Choice xmlns:v="urn:schemas-microsoft-com:vml" Requires="v">
-                <p:oleObj spid="_x0000_s1056" name="Document" r:id="rId15" imgW="5956042" imgH="2114120" progId="Word.Document.12">
-                  <p:embed/>
-                </p:oleObj>
-              </mc:Choice>
-              <mc:Fallback>
-                <p:oleObj name="Document" r:id="rId15" imgW="5956042" imgH="2114120" progId="Word.Document.12">
-                  <p:embed/>
-                  <p:pic>
-                    <p:nvPicPr>
-                      <p:cNvPr id="8" name="Object 7"/>
-                      <p:cNvPicPr/>
-                      <p:nvPr/>
-                    </p:nvPicPr>
-                    <p:blipFill>
-                      <a:blip r:embed="rId16"/>
-                      <a:stretch>
-                        <a:fillRect/>
-                      </a:stretch>
-                    </p:blipFill>
-                    <p:spPr>
-                      <a:xfrm>
-                        <a:off x="2615883" y="2326323"/>
-                        <a:ext cx="1027112" cy="366712"/>
-                      </a:xfrm>
-                      <a:prstGeom prst="rect">
-                        <a:avLst/>
-                      </a:prstGeom>
-                    </p:spPr>
-                  </p:pic>
-                </p:oleObj>
-              </mc:Fallback>
-            </mc:AlternateContent>
-          </a:graphicData>
-        </a:graphic>
-      </p:graphicFrame>
-      <p:graphicFrame>
-        <p:nvGraphicFramePr>
-          <p:cNvPr id="93" name="Object 92"/>
-          <p:cNvGraphicFramePr>
-            <a:graphicFrameLocks noChangeAspect="1"/>
-          </p:cNvGraphicFramePr>
-          <p:nvPr>
-            <p:extLst>
-              <p:ext uri="{D42A27DB-BD31-4B8C-83A1-F6EECF244321}">
-                <p14:modId xmlns:p14="http://schemas.microsoft.com/office/powerpoint/2010/main" val="269627317"/>
-              </p:ext>
-            </p:extLst>
-          </p:nvPr>
-        </p:nvGraphicFramePr>
-        <p:xfrm>
-          <a:off x="2987675" y="2327275"/>
-          <a:ext cx="1025525" cy="365125"/>
-        </p:xfrm>
-        <a:graphic>
-          <a:graphicData uri="http://schemas.openxmlformats.org/presentationml/2006/ole">
-            <mc:AlternateContent xmlns:mc="http://schemas.openxmlformats.org/markup-compatibility/2006">
-              <mc:Choice xmlns:v="urn:schemas-microsoft-com:vml" Requires="v">
-                <p:oleObj spid="_x0000_s1057" name="Document" r:id="rId17" imgW="5956042" imgH="2114120" progId="Word.Document.12">
-                  <p:embed/>
-                </p:oleObj>
-              </mc:Choice>
-              <mc:Fallback>
-                <p:oleObj name="Document" r:id="rId17" imgW="5956042" imgH="2114120" progId="Word.Document.12">
-                  <p:embed/>
-                  <p:pic>
-                    <p:nvPicPr>
-                      <p:cNvPr id="9" name="Object 8"/>
-                      <p:cNvPicPr/>
-                      <p:nvPr/>
-                    </p:nvPicPr>
-                    <p:blipFill>
-                      <a:blip r:embed="rId18"/>
-                      <a:stretch>
-                        <a:fillRect/>
-                      </a:stretch>
-                    </p:blipFill>
-                    <p:spPr>
-                      <a:xfrm>
-                        <a:off x="2987675" y="2327275"/>
-                        <a:ext cx="1025525" cy="365125"/>
-                      </a:xfrm>
-                      <a:prstGeom prst="rect">
-                        <a:avLst/>
-                      </a:prstGeom>
-                    </p:spPr>
-                  </p:pic>
-                </p:oleObj>
-              </mc:Fallback>
-            </mc:AlternateContent>
-          </a:graphicData>
-        </a:graphic>
-      </p:graphicFrame>
     </p:spTree>
     <p:extLst>
       <p:ext uri="{BB962C8B-B14F-4D97-AF65-F5344CB8AC3E}">
@@ -6041,7 +5903,9 @@
         </p:nvSpPr>
         <p:spPr/>
         <p:txBody>
-          <a:bodyPr/>
+          <a:bodyPr>
+            <a:normAutofit fontScale="90000"/>
+          </a:bodyPr>
           <a:lstStyle/>
           <a:p>
             <a:endParaRPr lang="en-US"/>
@@ -6075,8 +5939,8 @@
         </p:nvGrpSpPr>
         <p:grpSpPr>
           <a:xfrm>
-            <a:off x="309632" y="156196"/>
-            <a:ext cx="4872378" cy="2929065"/>
+            <a:off x="567659" y="66637"/>
+            <a:ext cx="8932693" cy="1249599"/>
             <a:chOff x="2092394" y="758078"/>
             <a:chExt cx="4872378" cy="2929065"/>
           </a:xfrm>
@@ -7055,14 +6919,14 @@
           </p:nvPr>
         </p:nvGraphicFramePr>
         <p:xfrm>
-          <a:off x="1842446" y="2310572"/>
-          <a:ext cx="1066800" cy="373062"/>
+          <a:off x="3377818" y="985738"/>
+          <a:ext cx="1955800" cy="159156"/>
         </p:xfrm>
         <a:graphic>
           <a:graphicData uri="http://schemas.openxmlformats.org/presentationml/2006/ole">
             <mc:AlternateContent xmlns:mc="http://schemas.openxmlformats.org/markup-compatibility/2006">
               <mc:Choice xmlns:v="urn:schemas-microsoft-com:vml" Requires="v">
-                <p:oleObj spid="_x0000_s2050" name="Document" r:id="rId3" imgW="5956042" imgH="2113760" progId="Word.Document.12">
+                <p:oleObj spid="_x0000_s2055" name="Document" r:id="rId3" imgW="5956042" imgH="2113760" progId="Word.Document.12">
                   <p:embed/>
                 </p:oleObj>
               </mc:Choice>
@@ -7083,8 +6947,8 @@
                     </p:blipFill>
                     <p:spPr>
                       <a:xfrm>
-                        <a:off x="1842446" y="2310572"/>
-                        <a:ext cx="1066800" cy="373062"/>
+                        <a:off x="3377818" y="985738"/>
+                        <a:ext cx="1955800" cy="159156"/>
                       </a:xfrm>
                       <a:prstGeom prst="rect">
                         <a:avLst/>
@@ -7112,14 +6976,14 @@
           </p:nvPr>
         </p:nvGraphicFramePr>
         <p:xfrm>
-          <a:off x="2219325" y="2316163"/>
-          <a:ext cx="1027113" cy="366712"/>
+          <a:off x="4068763" y="988123"/>
+          <a:ext cx="1883041" cy="156447"/>
         </p:xfrm>
         <a:graphic>
           <a:graphicData uri="http://schemas.openxmlformats.org/presentationml/2006/ole">
             <mc:AlternateContent xmlns:mc="http://schemas.openxmlformats.org/markup-compatibility/2006">
               <mc:Choice xmlns:v="urn:schemas-microsoft-com:vml" Requires="v">
-                <p:oleObj spid="_x0000_s2051" name="Document" r:id="rId5" imgW="5956042" imgH="2114120" progId="Word.Document.12">
+                <p:oleObj spid="_x0000_s2056" name="Document" r:id="rId5" imgW="5956042" imgH="2114120" progId="Word.Document.12">
                   <p:embed/>
                 </p:oleObj>
               </mc:Choice>
@@ -7140,8 +7004,8 @@
                     </p:blipFill>
                     <p:spPr>
                       <a:xfrm>
-                        <a:off x="2219325" y="2316163"/>
-                        <a:ext cx="1027113" cy="366712"/>
+                        <a:off x="4068763" y="988123"/>
+                        <a:ext cx="1883041" cy="156447"/>
                       </a:xfrm>
                       <a:prstGeom prst="rect">
                         <a:avLst/>
@@ -7169,14 +7033,14 @@
           </p:nvPr>
         </p:nvGraphicFramePr>
         <p:xfrm>
-          <a:off x="2615883" y="2326323"/>
-          <a:ext cx="1027112" cy="366712"/>
+          <a:off x="4795785" y="992457"/>
+          <a:ext cx="1883039" cy="156447"/>
         </p:xfrm>
         <a:graphic>
           <a:graphicData uri="http://schemas.openxmlformats.org/presentationml/2006/ole">
             <mc:AlternateContent xmlns:mc="http://schemas.openxmlformats.org/markup-compatibility/2006">
               <mc:Choice xmlns:v="urn:schemas-microsoft-com:vml" Requires="v">
-                <p:oleObj spid="_x0000_s2052" name="Document" r:id="rId7" imgW="5956042" imgH="2114120" progId="Word.Document.12">
+                <p:oleObj spid="_x0000_s2057" name="Document" r:id="rId7" imgW="5956042" imgH="2114120" progId="Word.Document.12">
                   <p:embed/>
                 </p:oleObj>
               </mc:Choice>
@@ -7197,8 +7061,8 @@
                     </p:blipFill>
                     <p:spPr>
                       <a:xfrm>
-                        <a:off x="2615883" y="2326323"/>
-                        <a:ext cx="1027112" cy="366712"/>
+                        <a:off x="4795785" y="992457"/>
+                        <a:ext cx="1883039" cy="156447"/>
                       </a:xfrm>
                       <a:prstGeom prst="rect">
                         <a:avLst/>
@@ -7226,14 +7090,14 @@
           </p:nvPr>
         </p:nvGraphicFramePr>
         <p:xfrm>
-          <a:off x="2987675" y="2327275"/>
-          <a:ext cx="1025525" cy="365125"/>
+          <a:off x="5477405" y="992863"/>
+          <a:ext cx="1880129" cy="155770"/>
         </p:xfrm>
         <a:graphic>
           <a:graphicData uri="http://schemas.openxmlformats.org/presentationml/2006/ole">
             <mc:AlternateContent xmlns:mc="http://schemas.openxmlformats.org/markup-compatibility/2006">
               <mc:Choice xmlns:v="urn:schemas-microsoft-com:vml" Requires="v">
-                <p:oleObj spid="_x0000_s2053" name="Document" r:id="rId9" imgW="5956042" imgH="2114120" progId="Word.Document.12">
+                <p:oleObj spid="_x0000_s2058" name="Document" r:id="rId9" imgW="5956042" imgH="2114120" progId="Word.Document.12">
                   <p:embed/>
                 </p:oleObj>
               </mc:Choice>
@@ -7254,8 +7118,8 @@
                     </p:blipFill>
                     <p:spPr>
                       <a:xfrm>
-                        <a:off x="2987675" y="2327275"/>
-                        <a:ext cx="1025525" cy="365125"/>
+                        <a:off x="5477405" y="992863"/>
+                        <a:ext cx="1880129" cy="155770"/>
                       </a:xfrm>
                       <a:prstGeom prst="rect">
                         <a:avLst/>
@@ -7644,7 +7508,7 @@
     </a:clrScheme>
     <a:fontScheme name="Office">
       <a:majorFont>
-        <a:latin typeface="Calibri Light" panose="020F0302020204030204"/>
+        <a:latin typeface="Calibri Light"/>
         <a:ea typeface=""/>
         <a:cs typeface=""/>
         <a:font script="Jpan" typeface="游ゴシック Light"/>
@@ -7696,7 +7560,7 @@
         <a:font script="Tfng" typeface="Ebrima"/>
       </a:majorFont>
       <a:minorFont>
-        <a:latin typeface="Calibri" panose="020F0502020204030204"/>
+        <a:latin typeface="Calibri"/>
         <a:ea typeface=""/>
         <a:cs typeface=""/>
         <a:font script="Jpan" typeface="游ゴシック"/>
@@ -7890,7 +7754,7 @@
   <a:extraClrSchemeLst/>
   <a:extLst>
     <a:ext uri="{05A4C25C-085E-4340-85A3-A5531E510DB2}">
-      <thm15:themeFamily xmlns:thm15="http://schemas.microsoft.com/office/thememl/2012/main" name="Office Theme" id="{62F939B6-93AF-4DB8-9C6B-D6C7DFDC589F}" vid="{4A3C46E8-61CC-4603-A589-7422A47A8E4A}"/>
+      <thm15:themeFamily xmlns:thm15="http://schemas.microsoft.com/office/thememl/2012/main" xmlns="" name="Office Theme" id="{62F939B6-93AF-4DB8-9C6B-D6C7DFDC589F}" vid="{4A3C46E8-61CC-4603-A589-7422A47A8E4A}"/>
     </a:ext>
   </a:extLst>
 </a:theme>
